--- a/ppt 16-9/0898.耶稣牵着万人的.pptx
+++ b/ppt 16-9/0898.耶稣牵着万人的.pptx
@@ -129,7 +129,7 @@
           <p:cNvPr id="2" name="标题 1">
             <a:extLst>
               <a:ext uri="{FF2B5EF4-FFF2-40B4-BE49-F238E27FC236}">
-                <a16:creationId xmlns:a16="http://schemas.microsoft.com/office/drawing/2014/main" id="{570BB826-5A37-09B1-D980-86406C161275}"/>
+                <a16:creationId xmlns:a16="http://schemas.microsoft.com/office/drawing/2014/main" id="{5FC2D0EC-086A-2E31-DCB3-D00DB641A7F8}"/>
               </a:ext>
             </a:extLst>
           </p:cNvPr>
@@ -166,7 +166,7 @@
           <p:cNvPr id="3" name="副标题 2">
             <a:extLst>
               <a:ext uri="{FF2B5EF4-FFF2-40B4-BE49-F238E27FC236}">
-                <a16:creationId xmlns:a16="http://schemas.microsoft.com/office/drawing/2014/main" id="{0112899F-20B2-E98B-8DDD-881E26F78F0A}"/>
+                <a16:creationId xmlns:a16="http://schemas.microsoft.com/office/drawing/2014/main" id="{4F87ABDC-D427-CA80-30B6-7538D67CC923}"/>
               </a:ext>
             </a:extLst>
           </p:cNvPr>
@@ -236,7 +236,7 @@
           <p:cNvPr id="4" name="日期占位符 3">
             <a:extLst>
               <a:ext uri="{FF2B5EF4-FFF2-40B4-BE49-F238E27FC236}">
-                <a16:creationId xmlns:a16="http://schemas.microsoft.com/office/drawing/2014/main" id="{BDE6E2C8-C49D-40D4-3119-AF5ABBC9D25B}"/>
+                <a16:creationId xmlns:a16="http://schemas.microsoft.com/office/drawing/2014/main" id="{C1C96586-BCDE-8BA1-BDDB-337CE92BAAF7}"/>
               </a:ext>
             </a:extLst>
           </p:cNvPr>
@@ -252,7 +252,7 @@
           <a:bodyPr/>
           <a:lstStyle/>
           <a:p>
-            <a:fld id="{299D4EDD-A353-45E3-A297-CC278830674E}" type="datetimeFigureOut">
+            <a:fld id="{CFD72346-61DA-4514-B20E-DF9615C96691}" type="datetimeFigureOut">
               <a:rPr lang="zh-CN" altLang="en-US" smtClean="0"/>
               <a:t>2024/3/10</a:t>
             </a:fld>
@@ -265,7 +265,7 @@
           <p:cNvPr id="5" name="页脚占位符 4">
             <a:extLst>
               <a:ext uri="{FF2B5EF4-FFF2-40B4-BE49-F238E27FC236}">
-                <a16:creationId xmlns:a16="http://schemas.microsoft.com/office/drawing/2014/main" id="{1C648974-CD0A-F2C1-4592-EA0FA95D3CAB}"/>
+                <a16:creationId xmlns:a16="http://schemas.microsoft.com/office/drawing/2014/main" id="{B5330EA2-420E-21D8-EA88-80D207BA4242}"/>
               </a:ext>
             </a:extLst>
           </p:cNvPr>
@@ -290,7 +290,7 @@
           <p:cNvPr id="6" name="灯片编号占位符 5">
             <a:extLst>
               <a:ext uri="{FF2B5EF4-FFF2-40B4-BE49-F238E27FC236}">
-                <a16:creationId xmlns:a16="http://schemas.microsoft.com/office/drawing/2014/main" id="{B3BC8EFE-BA43-8DB9-13D3-D86B119F4897}"/>
+                <a16:creationId xmlns:a16="http://schemas.microsoft.com/office/drawing/2014/main" id="{E7549C0C-72D2-F1EE-28C7-8844E37DDBFF}"/>
               </a:ext>
             </a:extLst>
           </p:cNvPr>
@@ -306,7 +306,7 @@
           <a:bodyPr/>
           <a:lstStyle/>
           <a:p>
-            <a:fld id="{B8BEB779-C859-4C60-994A-E68C501EB19B}" type="slidenum">
+            <a:fld id="{81566917-C8BE-4D11-8189-939B6CA8D7FB}" type="slidenum">
               <a:rPr lang="zh-CN" altLang="en-US" smtClean="0"/>
               <a:t>‹#›</a:t>
             </a:fld>
@@ -317,7 +317,7 @@
     </p:spTree>
     <p:extLst>
       <p:ext uri="{BB962C8B-B14F-4D97-AF65-F5344CB8AC3E}">
-        <p14:creationId xmlns:p14="http://schemas.microsoft.com/office/powerpoint/2010/main" val="2606323911"/>
+        <p14:creationId xmlns:p14="http://schemas.microsoft.com/office/powerpoint/2010/main" val="302656644"/>
       </p:ext>
     </p:extLst>
   </p:cSld>
@@ -349,7 +349,7 @@
           <p:cNvPr id="2" name="标题 1">
             <a:extLst>
               <a:ext uri="{FF2B5EF4-FFF2-40B4-BE49-F238E27FC236}">
-                <a16:creationId xmlns:a16="http://schemas.microsoft.com/office/drawing/2014/main" id="{032DE4C8-AD71-C61C-1353-B565F46F7595}"/>
+                <a16:creationId xmlns:a16="http://schemas.microsoft.com/office/drawing/2014/main" id="{E8688054-F20C-0808-3F1E-63EA97D40E35}"/>
               </a:ext>
             </a:extLst>
           </p:cNvPr>
@@ -377,7 +377,7 @@
           <p:cNvPr id="3" name="竖排文字占位符 2">
             <a:extLst>
               <a:ext uri="{FF2B5EF4-FFF2-40B4-BE49-F238E27FC236}">
-                <a16:creationId xmlns:a16="http://schemas.microsoft.com/office/drawing/2014/main" id="{95F01C52-B6AE-ED50-6A40-0BC37EA29F31}"/>
+                <a16:creationId xmlns:a16="http://schemas.microsoft.com/office/drawing/2014/main" id="{5BE7C68D-388C-8CB5-7E84-775CB2BF8318}"/>
               </a:ext>
             </a:extLst>
           </p:cNvPr>
@@ -434,7 +434,7 @@
           <p:cNvPr id="4" name="日期占位符 3">
             <a:extLst>
               <a:ext uri="{FF2B5EF4-FFF2-40B4-BE49-F238E27FC236}">
-                <a16:creationId xmlns:a16="http://schemas.microsoft.com/office/drawing/2014/main" id="{1F1DC897-558D-877A-BDAF-B82878AFAB3D}"/>
+                <a16:creationId xmlns:a16="http://schemas.microsoft.com/office/drawing/2014/main" id="{1953422A-BF62-B694-043B-17219026C634}"/>
               </a:ext>
             </a:extLst>
           </p:cNvPr>
@@ -450,7 +450,7 @@
           <a:bodyPr/>
           <a:lstStyle/>
           <a:p>
-            <a:fld id="{299D4EDD-A353-45E3-A297-CC278830674E}" type="datetimeFigureOut">
+            <a:fld id="{CFD72346-61DA-4514-B20E-DF9615C96691}" type="datetimeFigureOut">
               <a:rPr lang="zh-CN" altLang="en-US" smtClean="0"/>
               <a:t>2024/3/10</a:t>
             </a:fld>
@@ -463,7 +463,7 @@
           <p:cNvPr id="5" name="页脚占位符 4">
             <a:extLst>
               <a:ext uri="{FF2B5EF4-FFF2-40B4-BE49-F238E27FC236}">
-                <a16:creationId xmlns:a16="http://schemas.microsoft.com/office/drawing/2014/main" id="{930A1EEF-E1D1-9E81-AB13-09788AD7F6CC}"/>
+                <a16:creationId xmlns:a16="http://schemas.microsoft.com/office/drawing/2014/main" id="{E99D9FC6-9BD7-8CF8-F825-440B35CED6C8}"/>
               </a:ext>
             </a:extLst>
           </p:cNvPr>
@@ -488,7 +488,7 @@
           <p:cNvPr id="6" name="灯片编号占位符 5">
             <a:extLst>
               <a:ext uri="{FF2B5EF4-FFF2-40B4-BE49-F238E27FC236}">
-                <a16:creationId xmlns:a16="http://schemas.microsoft.com/office/drawing/2014/main" id="{934D7539-E1E1-5E45-6AFB-3D58DEEC887A}"/>
+                <a16:creationId xmlns:a16="http://schemas.microsoft.com/office/drawing/2014/main" id="{BE66A05B-3954-3FC0-3639-D7077A51237C}"/>
               </a:ext>
             </a:extLst>
           </p:cNvPr>
@@ -504,7 +504,7 @@
           <a:bodyPr/>
           <a:lstStyle/>
           <a:p>
-            <a:fld id="{B8BEB779-C859-4C60-994A-E68C501EB19B}" type="slidenum">
+            <a:fld id="{81566917-C8BE-4D11-8189-939B6CA8D7FB}" type="slidenum">
               <a:rPr lang="zh-CN" altLang="en-US" smtClean="0"/>
               <a:t>‹#›</a:t>
             </a:fld>
@@ -515,7 +515,7 @@
     </p:spTree>
     <p:extLst>
       <p:ext uri="{BB962C8B-B14F-4D97-AF65-F5344CB8AC3E}">
-        <p14:creationId xmlns:p14="http://schemas.microsoft.com/office/powerpoint/2010/main" val="530114675"/>
+        <p14:creationId xmlns:p14="http://schemas.microsoft.com/office/powerpoint/2010/main" val="961438360"/>
       </p:ext>
     </p:extLst>
   </p:cSld>
@@ -547,7 +547,7 @@
           <p:cNvPr id="2" name="竖排标题 1">
             <a:extLst>
               <a:ext uri="{FF2B5EF4-FFF2-40B4-BE49-F238E27FC236}">
-                <a16:creationId xmlns:a16="http://schemas.microsoft.com/office/drawing/2014/main" id="{3EFD7B42-C6DE-286B-8314-F6960C067541}"/>
+                <a16:creationId xmlns:a16="http://schemas.microsoft.com/office/drawing/2014/main" id="{C9E8ED7F-E976-5A60-66A9-7F70B375752D}"/>
               </a:ext>
             </a:extLst>
           </p:cNvPr>
@@ -580,7 +580,7 @@
           <p:cNvPr id="3" name="竖排文字占位符 2">
             <a:extLst>
               <a:ext uri="{FF2B5EF4-FFF2-40B4-BE49-F238E27FC236}">
-                <a16:creationId xmlns:a16="http://schemas.microsoft.com/office/drawing/2014/main" id="{B427BB7D-F56D-9E0A-7069-5FA8B3EFB175}"/>
+                <a16:creationId xmlns:a16="http://schemas.microsoft.com/office/drawing/2014/main" id="{5FAE25FF-90E9-F1B3-6E1A-0F8A1F893442}"/>
               </a:ext>
             </a:extLst>
           </p:cNvPr>
@@ -642,7 +642,7 @@
           <p:cNvPr id="4" name="日期占位符 3">
             <a:extLst>
               <a:ext uri="{FF2B5EF4-FFF2-40B4-BE49-F238E27FC236}">
-                <a16:creationId xmlns:a16="http://schemas.microsoft.com/office/drawing/2014/main" id="{B41E56D8-EAF9-DC09-C19F-85DC01470B30}"/>
+                <a16:creationId xmlns:a16="http://schemas.microsoft.com/office/drawing/2014/main" id="{9109798A-F729-8F06-FDFD-2ABDD060E5A2}"/>
               </a:ext>
             </a:extLst>
           </p:cNvPr>
@@ -658,7 +658,7 @@
           <a:bodyPr/>
           <a:lstStyle/>
           <a:p>
-            <a:fld id="{299D4EDD-A353-45E3-A297-CC278830674E}" type="datetimeFigureOut">
+            <a:fld id="{CFD72346-61DA-4514-B20E-DF9615C96691}" type="datetimeFigureOut">
               <a:rPr lang="zh-CN" altLang="en-US" smtClean="0"/>
               <a:t>2024/3/10</a:t>
             </a:fld>
@@ -671,7 +671,7 @@
           <p:cNvPr id="5" name="页脚占位符 4">
             <a:extLst>
               <a:ext uri="{FF2B5EF4-FFF2-40B4-BE49-F238E27FC236}">
-                <a16:creationId xmlns:a16="http://schemas.microsoft.com/office/drawing/2014/main" id="{A3C28AA6-B7E1-502D-4FCC-9F4B9EFB67D1}"/>
+                <a16:creationId xmlns:a16="http://schemas.microsoft.com/office/drawing/2014/main" id="{1C5B5FB4-3EF4-ABC0-CC74-9CB6C26B8E68}"/>
               </a:ext>
             </a:extLst>
           </p:cNvPr>
@@ -696,7 +696,7 @@
           <p:cNvPr id="6" name="灯片编号占位符 5">
             <a:extLst>
               <a:ext uri="{FF2B5EF4-FFF2-40B4-BE49-F238E27FC236}">
-                <a16:creationId xmlns:a16="http://schemas.microsoft.com/office/drawing/2014/main" id="{5F682522-5717-3C26-126A-8A3E1D166270}"/>
+                <a16:creationId xmlns:a16="http://schemas.microsoft.com/office/drawing/2014/main" id="{7EF937FB-8BC7-FCF9-E3A3-B84575B8ED7C}"/>
               </a:ext>
             </a:extLst>
           </p:cNvPr>
@@ -712,7 +712,7 @@
           <a:bodyPr/>
           <a:lstStyle/>
           <a:p>
-            <a:fld id="{B8BEB779-C859-4C60-994A-E68C501EB19B}" type="slidenum">
+            <a:fld id="{81566917-C8BE-4D11-8189-939B6CA8D7FB}" type="slidenum">
               <a:rPr lang="zh-CN" altLang="en-US" smtClean="0"/>
               <a:t>‹#›</a:t>
             </a:fld>
@@ -723,7 +723,7 @@
     </p:spTree>
     <p:extLst>
       <p:ext uri="{BB962C8B-B14F-4D97-AF65-F5344CB8AC3E}">
-        <p14:creationId xmlns:p14="http://schemas.microsoft.com/office/powerpoint/2010/main" val="3218664184"/>
+        <p14:creationId xmlns:p14="http://schemas.microsoft.com/office/powerpoint/2010/main" val="3034572487"/>
       </p:ext>
     </p:extLst>
   </p:cSld>
@@ -755,7 +755,7 @@
           <p:cNvPr id="2" name="标题 1">
             <a:extLst>
               <a:ext uri="{FF2B5EF4-FFF2-40B4-BE49-F238E27FC236}">
-                <a16:creationId xmlns:a16="http://schemas.microsoft.com/office/drawing/2014/main" id="{A9C73F7C-6C36-0438-F3D0-0B7B4E3A0F27}"/>
+                <a16:creationId xmlns:a16="http://schemas.microsoft.com/office/drawing/2014/main" id="{30BB8B3B-C2D6-BF92-D025-91BDE4F73E94}"/>
               </a:ext>
             </a:extLst>
           </p:cNvPr>
@@ -783,7 +783,7 @@
           <p:cNvPr id="3" name="内容占位符 2">
             <a:extLst>
               <a:ext uri="{FF2B5EF4-FFF2-40B4-BE49-F238E27FC236}">
-                <a16:creationId xmlns:a16="http://schemas.microsoft.com/office/drawing/2014/main" id="{CD9ED40A-8EBB-5884-AB3D-6668FC4F4817}"/>
+                <a16:creationId xmlns:a16="http://schemas.microsoft.com/office/drawing/2014/main" id="{4B809D69-2CA2-F3AE-83A6-EE9FF54FBC51}"/>
               </a:ext>
             </a:extLst>
           </p:cNvPr>
@@ -840,7 +840,7 @@
           <p:cNvPr id="4" name="日期占位符 3">
             <a:extLst>
               <a:ext uri="{FF2B5EF4-FFF2-40B4-BE49-F238E27FC236}">
-                <a16:creationId xmlns:a16="http://schemas.microsoft.com/office/drawing/2014/main" id="{3FD81010-3578-1EF2-A28B-E7B0477648D3}"/>
+                <a16:creationId xmlns:a16="http://schemas.microsoft.com/office/drawing/2014/main" id="{2AEE3144-B364-BD5C-8C76-956CF5D81D54}"/>
               </a:ext>
             </a:extLst>
           </p:cNvPr>
@@ -856,7 +856,7 @@
           <a:bodyPr/>
           <a:lstStyle/>
           <a:p>
-            <a:fld id="{299D4EDD-A353-45E3-A297-CC278830674E}" type="datetimeFigureOut">
+            <a:fld id="{CFD72346-61DA-4514-B20E-DF9615C96691}" type="datetimeFigureOut">
               <a:rPr lang="zh-CN" altLang="en-US" smtClean="0"/>
               <a:t>2024/3/10</a:t>
             </a:fld>
@@ -869,7 +869,7 @@
           <p:cNvPr id="5" name="页脚占位符 4">
             <a:extLst>
               <a:ext uri="{FF2B5EF4-FFF2-40B4-BE49-F238E27FC236}">
-                <a16:creationId xmlns:a16="http://schemas.microsoft.com/office/drawing/2014/main" id="{3FD850C7-1806-910B-1BB0-801DA0E43510}"/>
+                <a16:creationId xmlns:a16="http://schemas.microsoft.com/office/drawing/2014/main" id="{C2C0D73D-6CE6-3E06-3C34-73077E56F76B}"/>
               </a:ext>
             </a:extLst>
           </p:cNvPr>
@@ -894,7 +894,7 @@
           <p:cNvPr id="6" name="灯片编号占位符 5">
             <a:extLst>
               <a:ext uri="{FF2B5EF4-FFF2-40B4-BE49-F238E27FC236}">
-                <a16:creationId xmlns:a16="http://schemas.microsoft.com/office/drawing/2014/main" id="{D80562FD-B393-E34A-B3B0-5C47FA86B4EA}"/>
+                <a16:creationId xmlns:a16="http://schemas.microsoft.com/office/drawing/2014/main" id="{BD35A124-26AC-9DCF-E7A9-4339605BEDDF}"/>
               </a:ext>
             </a:extLst>
           </p:cNvPr>
@@ -910,7 +910,7 @@
           <a:bodyPr/>
           <a:lstStyle/>
           <a:p>
-            <a:fld id="{B8BEB779-C859-4C60-994A-E68C501EB19B}" type="slidenum">
+            <a:fld id="{81566917-C8BE-4D11-8189-939B6CA8D7FB}" type="slidenum">
               <a:rPr lang="zh-CN" altLang="en-US" smtClean="0"/>
               <a:t>‹#›</a:t>
             </a:fld>
@@ -921,7 +921,7 @@
     </p:spTree>
     <p:extLst>
       <p:ext uri="{BB962C8B-B14F-4D97-AF65-F5344CB8AC3E}">
-        <p14:creationId xmlns:p14="http://schemas.microsoft.com/office/powerpoint/2010/main" val="3317345862"/>
+        <p14:creationId xmlns:p14="http://schemas.microsoft.com/office/powerpoint/2010/main" val="2339943984"/>
       </p:ext>
     </p:extLst>
   </p:cSld>
@@ -953,7 +953,7 @@
           <p:cNvPr id="2" name="标题 1">
             <a:extLst>
               <a:ext uri="{FF2B5EF4-FFF2-40B4-BE49-F238E27FC236}">
-                <a16:creationId xmlns:a16="http://schemas.microsoft.com/office/drawing/2014/main" id="{E1CCCE2F-E23D-B4D4-397E-9D74344A8A18}"/>
+                <a16:creationId xmlns:a16="http://schemas.microsoft.com/office/drawing/2014/main" id="{846DC298-108C-D7D9-11A8-2F0D791BDA47}"/>
               </a:ext>
             </a:extLst>
           </p:cNvPr>
@@ -990,7 +990,7 @@
           <p:cNvPr id="3" name="文本占位符 2">
             <a:extLst>
               <a:ext uri="{FF2B5EF4-FFF2-40B4-BE49-F238E27FC236}">
-                <a16:creationId xmlns:a16="http://schemas.microsoft.com/office/drawing/2014/main" id="{A80A0ADB-69CA-FD9A-C84A-FE40C42A2B32}"/>
+                <a16:creationId xmlns:a16="http://schemas.microsoft.com/office/drawing/2014/main" id="{D66C5097-05C6-4F6E-0BBF-DA4146EAA805}"/>
               </a:ext>
             </a:extLst>
           </p:cNvPr>
@@ -1115,7 +1115,7 @@
           <p:cNvPr id="4" name="日期占位符 3">
             <a:extLst>
               <a:ext uri="{FF2B5EF4-FFF2-40B4-BE49-F238E27FC236}">
-                <a16:creationId xmlns:a16="http://schemas.microsoft.com/office/drawing/2014/main" id="{52511D92-6374-A094-E4AC-6506D21F0889}"/>
+                <a16:creationId xmlns:a16="http://schemas.microsoft.com/office/drawing/2014/main" id="{88261299-9645-2472-1486-A58C6AC092F3}"/>
               </a:ext>
             </a:extLst>
           </p:cNvPr>
@@ -1131,7 +1131,7 @@
           <a:bodyPr/>
           <a:lstStyle/>
           <a:p>
-            <a:fld id="{299D4EDD-A353-45E3-A297-CC278830674E}" type="datetimeFigureOut">
+            <a:fld id="{CFD72346-61DA-4514-B20E-DF9615C96691}" type="datetimeFigureOut">
               <a:rPr lang="zh-CN" altLang="en-US" smtClean="0"/>
               <a:t>2024/3/10</a:t>
             </a:fld>
@@ -1144,7 +1144,7 @@
           <p:cNvPr id="5" name="页脚占位符 4">
             <a:extLst>
               <a:ext uri="{FF2B5EF4-FFF2-40B4-BE49-F238E27FC236}">
-                <a16:creationId xmlns:a16="http://schemas.microsoft.com/office/drawing/2014/main" id="{FE9A0D63-4A7E-CCD2-F67B-235F15575FA3}"/>
+                <a16:creationId xmlns:a16="http://schemas.microsoft.com/office/drawing/2014/main" id="{A4073DF2-3147-6716-CA6E-473E23EE98AF}"/>
               </a:ext>
             </a:extLst>
           </p:cNvPr>
@@ -1169,7 +1169,7 @@
           <p:cNvPr id="6" name="灯片编号占位符 5">
             <a:extLst>
               <a:ext uri="{FF2B5EF4-FFF2-40B4-BE49-F238E27FC236}">
-                <a16:creationId xmlns:a16="http://schemas.microsoft.com/office/drawing/2014/main" id="{61089FBB-6675-BB76-A43A-098DC5D29829}"/>
+                <a16:creationId xmlns:a16="http://schemas.microsoft.com/office/drawing/2014/main" id="{FFB16788-72CF-EF3F-6E5A-D5CA8C5C4B98}"/>
               </a:ext>
             </a:extLst>
           </p:cNvPr>
@@ -1185,7 +1185,7 @@
           <a:bodyPr/>
           <a:lstStyle/>
           <a:p>
-            <a:fld id="{B8BEB779-C859-4C60-994A-E68C501EB19B}" type="slidenum">
+            <a:fld id="{81566917-C8BE-4D11-8189-939B6CA8D7FB}" type="slidenum">
               <a:rPr lang="zh-CN" altLang="en-US" smtClean="0"/>
               <a:t>‹#›</a:t>
             </a:fld>
@@ -1196,7 +1196,7 @@
     </p:spTree>
     <p:extLst>
       <p:ext uri="{BB962C8B-B14F-4D97-AF65-F5344CB8AC3E}">
-        <p14:creationId xmlns:p14="http://schemas.microsoft.com/office/powerpoint/2010/main" val="721622760"/>
+        <p14:creationId xmlns:p14="http://schemas.microsoft.com/office/powerpoint/2010/main" val="2411308519"/>
       </p:ext>
     </p:extLst>
   </p:cSld>
@@ -1228,7 +1228,7 @@
           <p:cNvPr id="2" name="标题 1">
             <a:extLst>
               <a:ext uri="{FF2B5EF4-FFF2-40B4-BE49-F238E27FC236}">
-                <a16:creationId xmlns:a16="http://schemas.microsoft.com/office/drawing/2014/main" id="{FB561FC6-8D00-9A0C-0B2E-68EFA4989181}"/>
+                <a16:creationId xmlns:a16="http://schemas.microsoft.com/office/drawing/2014/main" id="{5CADCA99-F8C0-7A4E-BCD5-634DC2F509AD}"/>
               </a:ext>
             </a:extLst>
           </p:cNvPr>
@@ -1256,7 +1256,7 @@
           <p:cNvPr id="3" name="内容占位符 2">
             <a:extLst>
               <a:ext uri="{FF2B5EF4-FFF2-40B4-BE49-F238E27FC236}">
-                <a16:creationId xmlns:a16="http://schemas.microsoft.com/office/drawing/2014/main" id="{255AB6CD-A50C-A636-88B1-8158619C6D77}"/>
+                <a16:creationId xmlns:a16="http://schemas.microsoft.com/office/drawing/2014/main" id="{B1C281EC-85AE-3441-1417-27C2E1EEAAD7}"/>
               </a:ext>
             </a:extLst>
           </p:cNvPr>
@@ -1318,7 +1318,7 @@
           <p:cNvPr id="4" name="内容占位符 3">
             <a:extLst>
               <a:ext uri="{FF2B5EF4-FFF2-40B4-BE49-F238E27FC236}">
-                <a16:creationId xmlns:a16="http://schemas.microsoft.com/office/drawing/2014/main" id="{4C4F7F59-2ED9-01FC-A58E-1B9A3AB62CED}"/>
+                <a16:creationId xmlns:a16="http://schemas.microsoft.com/office/drawing/2014/main" id="{55932591-A136-FFE9-D159-21F9E6081571}"/>
               </a:ext>
             </a:extLst>
           </p:cNvPr>
@@ -1380,7 +1380,7 @@
           <p:cNvPr id="5" name="日期占位符 4">
             <a:extLst>
               <a:ext uri="{FF2B5EF4-FFF2-40B4-BE49-F238E27FC236}">
-                <a16:creationId xmlns:a16="http://schemas.microsoft.com/office/drawing/2014/main" id="{4DF308F8-9983-8AA8-A693-52375CC71A65}"/>
+                <a16:creationId xmlns:a16="http://schemas.microsoft.com/office/drawing/2014/main" id="{10A94C53-D115-E434-81DB-4E69C773B8A4}"/>
               </a:ext>
             </a:extLst>
           </p:cNvPr>
@@ -1396,7 +1396,7 @@
           <a:bodyPr/>
           <a:lstStyle/>
           <a:p>
-            <a:fld id="{299D4EDD-A353-45E3-A297-CC278830674E}" type="datetimeFigureOut">
+            <a:fld id="{CFD72346-61DA-4514-B20E-DF9615C96691}" type="datetimeFigureOut">
               <a:rPr lang="zh-CN" altLang="en-US" smtClean="0"/>
               <a:t>2024/3/10</a:t>
             </a:fld>
@@ -1409,7 +1409,7 @@
           <p:cNvPr id="6" name="页脚占位符 5">
             <a:extLst>
               <a:ext uri="{FF2B5EF4-FFF2-40B4-BE49-F238E27FC236}">
-                <a16:creationId xmlns:a16="http://schemas.microsoft.com/office/drawing/2014/main" id="{8A741A32-7E31-82B9-BC0B-40183FE23FB7}"/>
+                <a16:creationId xmlns:a16="http://schemas.microsoft.com/office/drawing/2014/main" id="{B1C02AB3-DD99-BB78-6A0E-D07D1748D044}"/>
               </a:ext>
             </a:extLst>
           </p:cNvPr>
@@ -1434,7 +1434,7 @@
           <p:cNvPr id="7" name="灯片编号占位符 6">
             <a:extLst>
               <a:ext uri="{FF2B5EF4-FFF2-40B4-BE49-F238E27FC236}">
-                <a16:creationId xmlns:a16="http://schemas.microsoft.com/office/drawing/2014/main" id="{0BB37C3E-0941-C521-455E-DF8EA162EEC8}"/>
+                <a16:creationId xmlns:a16="http://schemas.microsoft.com/office/drawing/2014/main" id="{51233F37-4B27-55C4-B487-56DBB0E64F13}"/>
               </a:ext>
             </a:extLst>
           </p:cNvPr>
@@ -1450,7 +1450,7 @@
           <a:bodyPr/>
           <a:lstStyle/>
           <a:p>
-            <a:fld id="{B8BEB779-C859-4C60-994A-E68C501EB19B}" type="slidenum">
+            <a:fld id="{81566917-C8BE-4D11-8189-939B6CA8D7FB}" type="slidenum">
               <a:rPr lang="zh-CN" altLang="en-US" smtClean="0"/>
               <a:t>‹#›</a:t>
             </a:fld>
@@ -1461,7 +1461,7 @@
     </p:spTree>
     <p:extLst>
       <p:ext uri="{BB962C8B-B14F-4D97-AF65-F5344CB8AC3E}">
-        <p14:creationId xmlns:p14="http://schemas.microsoft.com/office/powerpoint/2010/main" val="3524866567"/>
+        <p14:creationId xmlns:p14="http://schemas.microsoft.com/office/powerpoint/2010/main" val="3417260272"/>
       </p:ext>
     </p:extLst>
   </p:cSld>
@@ -1493,7 +1493,7 @@
           <p:cNvPr id="2" name="标题 1">
             <a:extLst>
               <a:ext uri="{FF2B5EF4-FFF2-40B4-BE49-F238E27FC236}">
-                <a16:creationId xmlns:a16="http://schemas.microsoft.com/office/drawing/2014/main" id="{B92B7EF2-7013-0588-0A22-0220C87429C9}"/>
+                <a16:creationId xmlns:a16="http://schemas.microsoft.com/office/drawing/2014/main" id="{4CDCDE27-1267-86F3-2C12-CE9A796F7D16}"/>
               </a:ext>
             </a:extLst>
           </p:cNvPr>
@@ -1526,7 +1526,7 @@
           <p:cNvPr id="3" name="文本占位符 2">
             <a:extLst>
               <a:ext uri="{FF2B5EF4-FFF2-40B4-BE49-F238E27FC236}">
-                <a16:creationId xmlns:a16="http://schemas.microsoft.com/office/drawing/2014/main" id="{23F08B5E-2366-80FC-915B-3A3F587D71AF}"/>
+                <a16:creationId xmlns:a16="http://schemas.microsoft.com/office/drawing/2014/main" id="{7524FD77-27D9-8EA9-C4B7-DD900DFF8AEE}"/>
               </a:ext>
             </a:extLst>
           </p:cNvPr>
@@ -1597,7 +1597,7 @@
           <p:cNvPr id="4" name="内容占位符 3">
             <a:extLst>
               <a:ext uri="{FF2B5EF4-FFF2-40B4-BE49-F238E27FC236}">
-                <a16:creationId xmlns:a16="http://schemas.microsoft.com/office/drawing/2014/main" id="{1C52D4C5-4DA2-CC8F-29FE-ECBC18C98561}"/>
+                <a16:creationId xmlns:a16="http://schemas.microsoft.com/office/drawing/2014/main" id="{1BD86C23-1CAB-2E24-3D1C-07A2BFB1BC02}"/>
               </a:ext>
             </a:extLst>
           </p:cNvPr>
@@ -1659,7 +1659,7 @@
           <p:cNvPr id="5" name="文本占位符 4">
             <a:extLst>
               <a:ext uri="{FF2B5EF4-FFF2-40B4-BE49-F238E27FC236}">
-                <a16:creationId xmlns:a16="http://schemas.microsoft.com/office/drawing/2014/main" id="{B05353FC-28F5-C996-DD75-9F61D4EAE64A}"/>
+                <a16:creationId xmlns:a16="http://schemas.microsoft.com/office/drawing/2014/main" id="{45618A1E-5337-25DF-1E25-8DC8D3708239}"/>
               </a:ext>
             </a:extLst>
           </p:cNvPr>
@@ -1730,7 +1730,7 @@
           <p:cNvPr id="6" name="内容占位符 5">
             <a:extLst>
               <a:ext uri="{FF2B5EF4-FFF2-40B4-BE49-F238E27FC236}">
-                <a16:creationId xmlns:a16="http://schemas.microsoft.com/office/drawing/2014/main" id="{7F735690-9872-F059-D83C-DBB3970695FC}"/>
+                <a16:creationId xmlns:a16="http://schemas.microsoft.com/office/drawing/2014/main" id="{C7FB9DB4-320B-D028-5A09-54122F6C3183}"/>
               </a:ext>
             </a:extLst>
           </p:cNvPr>
@@ -1792,7 +1792,7 @@
           <p:cNvPr id="7" name="日期占位符 6">
             <a:extLst>
               <a:ext uri="{FF2B5EF4-FFF2-40B4-BE49-F238E27FC236}">
-                <a16:creationId xmlns:a16="http://schemas.microsoft.com/office/drawing/2014/main" id="{4D953602-B5B1-0BCA-BBA9-50707BE2ED37}"/>
+                <a16:creationId xmlns:a16="http://schemas.microsoft.com/office/drawing/2014/main" id="{D08F0547-E24A-2AFB-A1C6-E16ACBEEE670}"/>
               </a:ext>
             </a:extLst>
           </p:cNvPr>
@@ -1808,7 +1808,7 @@
           <a:bodyPr/>
           <a:lstStyle/>
           <a:p>
-            <a:fld id="{299D4EDD-A353-45E3-A297-CC278830674E}" type="datetimeFigureOut">
+            <a:fld id="{CFD72346-61DA-4514-B20E-DF9615C96691}" type="datetimeFigureOut">
               <a:rPr lang="zh-CN" altLang="en-US" smtClean="0"/>
               <a:t>2024/3/10</a:t>
             </a:fld>
@@ -1821,7 +1821,7 @@
           <p:cNvPr id="8" name="页脚占位符 7">
             <a:extLst>
               <a:ext uri="{FF2B5EF4-FFF2-40B4-BE49-F238E27FC236}">
-                <a16:creationId xmlns:a16="http://schemas.microsoft.com/office/drawing/2014/main" id="{2CB64C2D-3457-9A3A-1BEF-F02D74A36DB1}"/>
+                <a16:creationId xmlns:a16="http://schemas.microsoft.com/office/drawing/2014/main" id="{0F6CFBB8-0B67-3FF2-1B63-BFFCC8306DB9}"/>
               </a:ext>
             </a:extLst>
           </p:cNvPr>
@@ -1846,7 +1846,7 @@
           <p:cNvPr id="9" name="灯片编号占位符 8">
             <a:extLst>
               <a:ext uri="{FF2B5EF4-FFF2-40B4-BE49-F238E27FC236}">
-                <a16:creationId xmlns:a16="http://schemas.microsoft.com/office/drawing/2014/main" id="{8BF75E8D-8029-2A9C-1C42-BD49B207F1A9}"/>
+                <a16:creationId xmlns:a16="http://schemas.microsoft.com/office/drawing/2014/main" id="{50094035-F21E-6C62-9E9B-50F1385F1668}"/>
               </a:ext>
             </a:extLst>
           </p:cNvPr>
@@ -1862,7 +1862,7 @@
           <a:bodyPr/>
           <a:lstStyle/>
           <a:p>
-            <a:fld id="{B8BEB779-C859-4C60-994A-E68C501EB19B}" type="slidenum">
+            <a:fld id="{81566917-C8BE-4D11-8189-939B6CA8D7FB}" type="slidenum">
               <a:rPr lang="zh-CN" altLang="en-US" smtClean="0"/>
               <a:t>‹#›</a:t>
             </a:fld>
@@ -1873,7 +1873,7 @@
     </p:spTree>
     <p:extLst>
       <p:ext uri="{BB962C8B-B14F-4D97-AF65-F5344CB8AC3E}">
-        <p14:creationId xmlns:p14="http://schemas.microsoft.com/office/powerpoint/2010/main" val="3644438415"/>
+        <p14:creationId xmlns:p14="http://schemas.microsoft.com/office/powerpoint/2010/main" val="583595289"/>
       </p:ext>
     </p:extLst>
   </p:cSld>
@@ -1905,7 +1905,7 @@
           <p:cNvPr id="2" name="标题 1">
             <a:extLst>
               <a:ext uri="{FF2B5EF4-FFF2-40B4-BE49-F238E27FC236}">
-                <a16:creationId xmlns:a16="http://schemas.microsoft.com/office/drawing/2014/main" id="{0670ABAE-72E3-1B93-9ED4-22856D8CB211}"/>
+                <a16:creationId xmlns:a16="http://schemas.microsoft.com/office/drawing/2014/main" id="{B67A467B-D76C-CBA7-88F3-8416878CC262}"/>
               </a:ext>
             </a:extLst>
           </p:cNvPr>
@@ -1933,7 +1933,7 @@
           <p:cNvPr id="3" name="日期占位符 2">
             <a:extLst>
               <a:ext uri="{FF2B5EF4-FFF2-40B4-BE49-F238E27FC236}">
-                <a16:creationId xmlns:a16="http://schemas.microsoft.com/office/drawing/2014/main" id="{10866100-2FAB-3879-DB36-7949106E38DB}"/>
+                <a16:creationId xmlns:a16="http://schemas.microsoft.com/office/drawing/2014/main" id="{FC2F8F2B-5ADA-C4D5-E79E-AECE2C2A31F9}"/>
               </a:ext>
             </a:extLst>
           </p:cNvPr>
@@ -1949,7 +1949,7 @@
           <a:bodyPr/>
           <a:lstStyle/>
           <a:p>
-            <a:fld id="{299D4EDD-A353-45E3-A297-CC278830674E}" type="datetimeFigureOut">
+            <a:fld id="{CFD72346-61DA-4514-B20E-DF9615C96691}" type="datetimeFigureOut">
               <a:rPr lang="zh-CN" altLang="en-US" smtClean="0"/>
               <a:t>2024/3/10</a:t>
             </a:fld>
@@ -1962,7 +1962,7 @@
           <p:cNvPr id="4" name="页脚占位符 3">
             <a:extLst>
               <a:ext uri="{FF2B5EF4-FFF2-40B4-BE49-F238E27FC236}">
-                <a16:creationId xmlns:a16="http://schemas.microsoft.com/office/drawing/2014/main" id="{EAC19DD1-0C47-249C-FD56-3B6260C56541}"/>
+                <a16:creationId xmlns:a16="http://schemas.microsoft.com/office/drawing/2014/main" id="{C54D5816-99EF-3C9D-DEAD-9C39971E97D1}"/>
               </a:ext>
             </a:extLst>
           </p:cNvPr>
@@ -1987,7 +1987,7 @@
           <p:cNvPr id="5" name="灯片编号占位符 4">
             <a:extLst>
               <a:ext uri="{FF2B5EF4-FFF2-40B4-BE49-F238E27FC236}">
-                <a16:creationId xmlns:a16="http://schemas.microsoft.com/office/drawing/2014/main" id="{72628B91-8892-2483-E68E-BF88B95365AA}"/>
+                <a16:creationId xmlns:a16="http://schemas.microsoft.com/office/drawing/2014/main" id="{562BB0DE-768B-4DE1-C846-2E1DE698A986}"/>
               </a:ext>
             </a:extLst>
           </p:cNvPr>
@@ -2003,7 +2003,7 @@
           <a:bodyPr/>
           <a:lstStyle/>
           <a:p>
-            <a:fld id="{B8BEB779-C859-4C60-994A-E68C501EB19B}" type="slidenum">
+            <a:fld id="{81566917-C8BE-4D11-8189-939B6CA8D7FB}" type="slidenum">
               <a:rPr lang="zh-CN" altLang="en-US" smtClean="0"/>
               <a:t>‹#›</a:t>
             </a:fld>
@@ -2014,7 +2014,7 @@
     </p:spTree>
     <p:extLst>
       <p:ext uri="{BB962C8B-B14F-4D97-AF65-F5344CB8AC3E}">
-        <p14:creationId xmlns:p14="http://schemas.microsoft.com/office/powerpoint/2010/main" val="175096102"/>
+        <p14:creationId xmlns:p14="http://schemas.microsoft.com/office/powerpoint/2010/main" val="743801081"/>
       </p:ext>
     </p:extLst>
   </p:cSld>
@@ -2046,7 +2046,7 @@
           <p:cNvPr id="2" name="日期占位符 1">
             <a:extLst>
               <a:ext uri="{FF2B5EF4-FFF2-40B4-BE49-F238E27FC236}">
-                <a16:creationId xmlns:a16="http://schemas.microsoft.com/office/drawing/2014/main" id="{66959BA6-83BF-DFD3-707C-FCDC8A0543CF}"/>
+                <a16:creationId xmlns:a16="http://schemas.microsoft.com/office/drawing/2014/main" id="{F9FF009C-3181-7283-B1ED-74EB8F668CB7}"/>
               </a:ext>
             </a:extLst>
           </p:cNvPr>
@@ -2062,7 +2062,7 @@
           <a:bodyPr/>
           <a:lstStyle/>
           <a:p>
-            <a:fld id="{299D4EDD-A353-45E3-A297-CC278830674E}" type="datetimeFigureOut">
+            <a:fld id="{CFD72346-61DA-4514-B20E-DF9615C96691}" type="datetimeFigureOut">
               <a:rPr lang="zh-CN" altLang="en-US" smtClean="0"/>
               <a:t>2024/3/10</a:t>
             </a:fld>
@@ -2075,7 +2075,7 @@
           <p:cNvPr id="3" name="页脚占位符 2">
             <a:extLst>
               <a:ext uri="{FF2B5EF4-FFF2-40B4-BE49-F238E27FC236}">
-                <a16:creationId xmlns:a16="http://schemas.microsoft.com/office/drawing/2014/main" id="{39C9A1B3-0893-2CA4-13A7-DFCBF60F3B41}"/>
+                <a16:creationId xmlns:a16="http://schemas.microsoft.com/office/drawing/2014/main" id="{B01EF4DE-3510-D445-3E53-F81D3E55A6D4}"/>
               </a:ext>
             </a:extLst>
           </p:cNvPr>
@@ -2100,7 +2100,7 @@
           <p:cNvPr id="4" name="灯片编号占位符 3">
             <a:extLst>
               <a:ext uri="{FF2B5EF4-FFF2-40B4-BE49-F238E27FC236}">
-                <a16:creationId xmlns:a16="http://schemas.microsoft.com/office/drawing/2014/main" id="{9192332B-79EE-E115-21B3-2B8339D94108}"/>
+                <a16:creationId xmlns:a16="http://schemas.microsoft.com/office/drawing/2014/main" id="{4D03501D-11D8-3C77-E37C-9B0C3A290C96}"/>
               </a:ext>
             </a:extLst>
           </p:cNvPr>
@@ -2116,7 +2116,7 @@
           <a:bodyPr/>
           <a:lstStyle/>
           <a:p>
-            <a:fld id="{B8BEB779-C859-4C60-994A-E68C501EB19B}" type="slidenum">
+            <a:fld id="{81566917-C8BE-4D11-8189-939B6CA8D7FB}" type="slidenum">
               <a:rPr lang="zh-CN" altLang="en-US" smtClean="0"/>
               <a:t>‹#›</a:t>
             </a:fld>
@@ -2127,7 +2127,7 @@
     </p:spTree>
     <p:extLst>
       <p:ext uri="{BB962C8B-B14F-4D97-AF65-F5344CB8AC3E}">
-        <p14:creationId xmlns:p14="http://schemas.microsoft.com/office/powerpoint/2010/main" val="3353191063"/>
+        <p14:creationId xmlns:p14="http://schemas.microsoft.com/office/powerpoint/2010/main" val="4271055900"/>
       </p:ext>
     </p:extLst>
   </p:cSld>
@@ -2159,7 +2159,7 @@
           <p:cNvPr id="2" name="标题 1">
             <a:extLst>
               <a:ext uri="{FF2B5EF4-FFF2-40B4-BE49-F238E27FC236}">
-                <a16:creationId xmlns:a16="http://schemas.microsoft.com/office/drawing/2014/main" id="{2FCB3C0C-94D3-80C3-4CAC-F09CA358DB75}"/>
+                <a16:creationId xmlns:a16="http://schemas.microsoft.com/office/drawing/2014/main" id="{149B1744-AB12-17A2-6D8F-4E2522EA1189}"/>
               </a:ext>
             </a:extLst>
           </p:cNvPr>
@@ -2196,7 +2196,7 @@
           <p:cNvPr id="3" name="内容占位符 2">
             <a:extLst>
               <a:ext uri="{FF2B5EF4-FFF2-40B4-BE49-F238E27FC236}">
-                <a16:creationId xmlns:a16="http://schemas.microsoft.com/office/drawing/2014/main" id="{F9184AA3-A8B1-8128-DD14-4FCDD5CA27D7}"/>
+                <a16:creationId xmlns:a16="http://schemas.microsoft.com/office/drawing/2014/main" id="{C1BA6D39-EBE4-5F47-6BA7-771B9CE87FE1}"/>
               </a:ext>
             </a:extLst>
           </p:cNvPr>
@@ -2286,7 +2286,7 @@
           <p:cNvPr id="4" name="文本占位符 3">
             <a:extLst>
               <a:ext uri="{FF2B5EF4-FFF2-40B4-BE49-F238E27FC236}">
-                <a16:creationId xmlns:a16="http://schemas.microsoft.com/office/drawing/2014/main" id="{AFC8744D-435C-E4E3-FEFA-D1F404C9A921}"/>
+                <a16:creationId xmlns:a16="http://schemas.microsoft.com/office/drawing/2014/main" id="{4706DAA1-D8B3-856D-7B6E-DB318C6DD55F}"/>
               </a:ext>
             </a:extLst>
           </p:cNvPr>
@@ -2357,7 +2357,7 @@
           <p:cNvPr id="5" name="日期占位符 4">
             <a:extLst>
               <a:ext uri="{FF2B5EF4-FFF2-40B4-BE49-F238E27FC236}">
-                <a16:creationId xmlns:a16="http://schemas.microsoft.com/office/drawing/2014/main" id="{912A2D17-6848-8790-06ED-3487DB0F4F34}"/>
+                <a16:creationId xmlns:a16="http://schemas.microsoft.com/office/drawing/2014/main" id="{171EBEDE-4B2F-B30B-25A7-DBD51B134A69}"/>
               </a:ext>
             </a:extLst>
           </p:cNvPr>
@@ -2373,7 +2373,7 @@
           <a:bodyPr/>
           <a:lstStyle/>
           <a:p>
-            <a:fld id="{299D4EDD-A353-45E3-A297-CC278830674E}" type="datetimeFigureOut">
+            <a:fld id="{CFD72346-61DA-4514-B20E-DF9615C96691}" type="datetimeFigureOut">
               <a:rPr lang="zh-CN" altLang="en-US" smtClean="0"/>
               <a:t>2024/3/10</a:t>
             </a:fld>
@@ -2386,7 +2386,7 @@
           <p:cNvPr id="6" name="页脚占位符 5">
             <a:extLst>
               <a:ext uri="{FF2B5EF4-FFF2-40B4-BE49-F238E27FC236}">
-                <a16:creationId xmlns:a16="http://schemas.microsoft.com/office/drawing/2014/main" id="{838591F8-81C0-432C-1007-5C84BE5EB726}"/>
+                <a16:creationId xmlns:a16="http://schemas.microsoft.com/office/drawing/2014/main" id="{99CDE4F9-577C-EC67-0C11-313A9F4C8F7E}"/>
               </a:ext>
             </a:extLst>
           </p:cNvPr>
@@ -2411,7 +2411,7 @@
           <p:cNvPr id="7" name="灯片编号占位符 6">
             <a:extLst>
               <a:ext uri="{FF2B5EF4-FFF2-40B4-BE49-F238E27FC236}">
-                <a16:creationId xmlns:a16="http://schemas.microsoft.com/office/drawing/2014/main" id="{ED6573A0-58C3-0110-DD33-0C9266D76409}"/>
+                <a16:creationId xmlns:a16="http://schemas.microsoft.com/office/drawing/2014/main" id="{1B85FE24-43CA-1E6E-1A92-A0320C617134}"/>
               </a:ext>
             </a:extLst>
           </p:cNvPr>
@@ -2427,7 +2427,7 @@
           <a:bodyPr/>
           <a:lstStyle/>
           <a:p>
-            <a:fld id="{B8BEB779-C859-4C60-994A-E68C501EB19B}" type="slidenum">
+            <a:fld id="{81566917-C8BE-4D11-8189-939B6CA8D7FB}" type="slidenum">
               <a:rPr lang="zh-CN" altLang="en-US" smtClean="0"/>
               <a:t>‹#›</a:t>
             </a:fld>
@@ -2438,7 +2438,7 @@
     </p:spTree>
     <p:extLst>
       <p:ext uri="{BB962C8B-B14F-4D97-AF65-F5344CB8AC3E}">
-        <p14:creationId xmlns:p14="http://schemas.microsoft.com/office/powerpoint/2010/main" val="3380887896"/>
+        <p14:creationId xmlns:p14="http://schemas.microsoft.com/office/powerpoint/2010/main" val="3362813114"/>
       </p:ext>
     </p:extLst>
   </p:cSld>
@@ -2470,7 +2470,7 @@
           <p:cNvPr id="2" name="标题 1">
             <a:extLst>
               <a:ext uri="{FF2B5EF4-FFF2-40B4-BE49-F238E27FC236}">
-                <a16:creationId xmlns:a16="http://schemas.microsoft.com/office/drawing/2014/main" id="{1C8E8EA9-DB66-8125-262D-045248AAF724}"/>
+                <a16:creationId xmlns:a16="http://schemas.microsoft.com/office/drawing/2014/main" id="{538F15C4-24E6-4CAD-082D-573AAD7A3FF8}"/>
               </a:ext>
             </a:extLst>
           </p:cNvPr>
@@ -2507,7 +2507,7 @@
           <p:cNvPr id="3" name="图片占位符 2">
             <a:extLst>
               <a:ext uri="{FF2B5EF4-FFF2-40B4-BE49-F238E27FC236}">
-                <a16:creationId xmlns:a16="http://schemas.microsoft.com/office/drawing/2014/main" id="{E4365B44-BF71-374A-E5CD-3EF97344F693}"/>
+                <a16:creationId xmlns:a16="http://schemas.microsoft.com/office/drawing/2014/main" id="{0DF0039F-7D06-2BC6-94DD-DC181613E9CE}"/>
               </a:ext>
             </a:extLst>
           </p:cNvPr>
@@ -2574,7 +2574,7 @@
           <p:cNvPr id="4" name="文本占位符 3">
             <a:extLst>
               <a:ext uri="{FF2B5EF4-FFF2-40B4-BE49-F238E27FC236}">
-                <a16:creationId xmlns:a16="http://schemas.microsoft.com/office/drawing/2014/main" id="{0F4FB4E7-22B4-55C3-0692-BDE320135778}"/>
+                <a16:creationId xmlns:a16="http://schemas.microsoft.com/office/drawing/2014/main" id="{B302508B-D3AF-B5C8-3879-5A15598FC85F}"/>
               </a:ext>
             </a:extLst>
           </p:cNvPr>
@@ -2645,7 +2645,7 @@
           <p:cNvPr id="5" name="日期占位符 4">
             <a:extLst>
               <a:ext uri="{FF2B5EF4-FFF2-40B4-BE49-F238E27FC236}">
-                <a16:creationId xmlns:a16="http://schemas.microsoft.com/office/drawing/2014/main" id="{554DFDFE-6745-180E-2CA2-EA41AAD9F376}"/>
+                <a16:creationId xmlns:a16="http://schemas.microsoft.com/office/drawing/2014/main" id="{99D5457C-A503-6372-607C-C204560A7AEF}"/>
               </a:ext>
             </a:extLst>
           </p:cNvPr>
@@ -2661,7 +2661,7 @@
           <a:bodyPr/>
           <a:lstStyle/>
           <a:p>
-            <a:fld id="{299D4EDD-A353-45E3-A297-CC278830674E}" type="datetimeFigureOut">
+            <a:fld id="{CFD72346-61DA-4514-B20E-DF9615C96691}" type="datetimeFigureOut">
               <a:rPr lang="zh-CN" altLang="en-US" smtClean="0"/>
               <a:t>2024/3/10</a:t>
             </a:fld>
@@ -2674,7 +2674,7 @@
           <p:cNvPr id="6" name="页脚占位符 5">
             <a:extLst>
               <a:ext uri="{FF2B5EF4-FFF2-40B4-BE49-F238E27FC236}">
-                <a16:creationId xmlns:a16="http://schemas.microsoft.com/office/drawing/2014/main" id="{6598FE3C-889A-6BBB-1672-A292FE13A256}"/>
+                <a16:creationId xmlns:a16="http://schemas.microsoft.com/office/drawing/2014/main" id="{F5604B2D-FD9E-E265-6C1F-9C516D46456A}"/>
               </a:ext>
             </a:extLst>
           </p:cNvPr>
@@ -2699,7 +2699,7 @@
           <p:cNvPr id="7" name="灯片编号占位符 6">
             <a:extLst>
               <a:ext uri="{FF2B5EF4-FFF2-40B4-BE49-F238E27FC236}">
-                <a16:creationId xmlns:a16="http://schemas.microsoft.com/office/drawing/2014/main" id="{6ACF7266-F06B-13D6-4848-B90F7B53593F}"/>
+                <a16:creationId xmlns:a16="http://schemas.microsoft.com/office/drawing/2014/main" id="{22F8CD4F-58CB-DE25-6DF2-BC96AA794A87}"/>
               </a:ext>
             </a:extLst>
           </p:cNvPr>
@@ -2715,7 +2715,7 @@
           <a:bodyPr/>
           <a:lstStyle/>
           <a:p>
-            <a:fld id="{B8BEB779-C859-4C60-994A-E68C501EB19B}" type="slidenum">
+            <a:fld id="{81566917-C8BE-4D11-8189-939B6CA8D7FB}" type="slidenum">
               <a:rPr lang="zh-CN" altLang="en-US" smtClean="0"/>
               <a:t>‹#›</a:t>
             </a:fld>
@@ -2726,7 +2726,7 @@
     </p:spTree>
     <p:extLst>
       <p:ext uri="{BB962C8B-B14F-4D97-AF65-F5344CB8AC3E}">
-        <p14:creationId xmlns:p14="http://schemas.microsoft.com/office/powerpoint/2010/main" val="710224192"/>
+        <p14:creationId xmlns:p14="http://schemas.microsoft.com/office/powerpoint/2010/main" val="1254244686"/>
       </p:ext>
     </p:extLst>
   </p:cSld>
@@ -2763,7 +2763,7 @@
           <p:cNvPr id="2" name="标题占位符 1">
             <a:extLst>
               <a:ext uri="{FF2B5EF4-FFF2-40B4-BE49-F238E27FC236}">
-                <a16:creationId xmlns:a16="http://schemas.microsoft.com/office/drawing/2014/main" id="{DE6680D2-3B4E-9D17-9A81-E6FB66C0D029}"/>
+                <a16:creationId xmlns:a16="http://schemas.microsoft.com/office/drawing/2014/main" id="{3F73D538-222C-E09A-FEED-5FA9C1B367A8}"/>
               </a:ext>
             </a:extLst>
           </p:cNvPr>
@@ -2801,7 +2801,7 @@
           <p:cNvPr id="3" name="文本占位符 2">
             <a:extLst>
               <a:ext uri="{FF2B5EF4-FFF2-40B4-BE49-F238E27FC236}">
-                <a16:creationId xmlns:a16="http://schemas.microsoft.com/office/drawing/2014/main" id="{D2E09E8E-E6CD-9A07-5C36-53919542CF69}"/>
+                <a16:creationId xmlns:a16="http://schemas.microsoft.com/office/drawing/2014/main" id="{3849AE63-6523-008B-2AC9-85F9BB897506}"/>
               </a:ext>
             </a:extLst>
           </p:cNvPr>
@@ -2868,7 +2868,7 @@
           <p:cNvPr id="4" name="日期占位符 3">
             <a:extLst>
               <a:ext uri="{FF2B5EF4-FFF2-40B4-BE49-F238E27FC236}">
-                <a16:creationId xmlns:a16="http://schemas.microsoft.com/office/drawing/2014/main" id="{3BBC2505-412D-84E0-4D3B-9692E99820C2}"/>
+                <a16:creationId xmlns:a16="http://schemas.microsoft.com/office/drawing/2014/main" id="{033E234C-AFA1-EC02-52C6-E5AA6596F556}"/>
               </a:ext>
             </a:extLst>
           </p:cNvPr>
@@ -2902,7 +2902,7 @@
             </a:lvl1pPr>
           </a:lstStyle>
           <a:p>
-            <a:fld id="{299D4EDD-A353-45E3-A297-CC278830674E}" type="datetimeFigureOut">
+            <a:fld id="{CFD72346-61DA-4514-B20E-DF9615C96691}" type="datetimeFigureOut">
               <a:rPr lang="zh-CN" altLang="en-US" smtClean="0"/>
               <a:t>2024/3/10</a:t>
             </a:fld>
@@ -2915,7 +2915,7 @@
           <p:cNvPr id="5" name="页脚占位符 4">
             <a:extLst>
               <a:ext uri="{FF2B5EF4-FFF2-40B4-BE49-F238E27FC236}">
-                <a16:creationId xmlns:a16="http://schemas.microsoft.com/office/drawing/2014/main" id="{149BEB9C-A74C-BF59-AC89-070B4EB46BC8}"/>
+                <a16:creationId xmlns:a16="http://schemas.microsoft.com/office/drawing/2014/main" id="{5765DECD-552C-61FD-14A1-191C03A50D1B}"/>
               </a:ext>
             </a:extLst>
           </p:cNvPr>
@@ -2958,7 +2958,7 @@
           <p:cNvPr id="6" name="灯片编号占位符 5">
             <a:extLst>
               <a:ext uri="{FF2B5EF4-FFF2-40B4-BE49-F238E27FC236}">
-                <a16:creationId xmlns:a16="http://schemas.microsoft.com/office/drawing/2014/main" id="{26480AD8-D767-2581-95D3-FAAE2D3FAE1C}"/>
+                <a16:creationId xmlns:a16="http://schemas.microsoft.com/office/drawing/2014/main" id="{CB5A73D5-51BF-6344-594C-084152E9B4B8}"/>
               </a:ext>
             </a:extLst>
           </p:cNvPr>
@@ -2992,7 +2992,7 @@
             </a:lvl1pPr>
           </a:lstStyle>
           <a:p>
-            <a:fld id="{B8BEB779-C859-4C60-994A-E68C501EB19B}" type="slidenum">
+            <a:fld id="{81566917-C8BE-4D11-8189-939B6CA8D7FB}" type="slidenum">
               <a:rPr lang="zh-CN" altLang="en-US" smtClean="0"/>
               <a:t>‹#›</a:t>
             </a:fld>
@@ -3003,7 +3003,7 @@
     </p:spTree>
     <p:extLst>
       <p:ext uri="{BB962C8B-B14F-4D97-AF65-F5344CB8AC3E}">
-        <p14:creationId xmlns:p14="http://schemas.microsoft.com/office/powerpoint/2010/main" val="82223882"/>
+        <p14:creationId xmlns:p14="http://schemas.microsoft.com/office/powerpoint/2010/main" val="1731654281"/>
       </p:ext>
     </p:extLst>
   </p:cSld>
